--- a/PLEDGE_TO_PROGRES_Microsoft_Sustainability.pptx
+++ b/PLEDGE_TO_PROGRES_Microsoft_Sustainability.pptx
@@ -265,8 +265,11 @@
     </a:lvl9pPr>
   </p:defaultTextStyle>
   <p:extLst>
+    <p:ext uri="{EFAFB233-063F-42B5-8137-9DF3F51BA10A}">
+      <p15:sldGuideLst xmlns:p15="http://schemas.microsoft.com/office/powerpoint/2012/main"/>
+    </p:ext>
     <p:ext uri="http://customooxmlschemas.google.com/">
-      <go:slidesCustomData xmlns:go="http://customooxmlschemas.google.com/" xmlns:ahyp="http://schemas.microsoft.com/office/drawing/2018/hyperlinkcolor" xmlns:p15="http://schemas.microsoft.com/office/powerpoint/2012/main" xmlns:p14="http://schemas.microsoft.com/office/powerpoint/2010/main" xmlns:com="http://schemas.openxmlformats.org/drawingml/2006/compatibility" xmlns:pvml="urn:schemas-microsoft-com:office:powerpoint" xmlns:v="urn:schemas-microsoft-com:vml" xmlns:o="urn:schemas-microsoft-com:office:office" xmlns:dgm="http://schemas.openxmlformats.org/drawingml/2006/diagram" xmlns:c="http://schemas.openxmlformats.org/drawingml/2006/chart" xmlns:mv="urn:schemas-microsoft-com:mac:vml" xmlns:mc="http://schemas.openxmlformats.org/markup-compatibility/2006" xmlns="" r:id="rId23" roundtripDataSignature="AMtx7mg4ID0MW+58A5oAZz0iuzSAYbU9/A=="/>
+      <go:slidesCustomData xmlns="" xmlns:mc="http://schemas.openxmlformats.org/markup-compatibility/2006" xmlns:mv="urn:schemas-microsoft-com:mac:vml" xmlns:c="http://schemas.openxmlformats.org/drawingml/2006/chart" xmlns:dgm="http://schemas.openxmlformats.org/drawingml/2006/diagram" xmlns:o="urn:schemas-microsoft-com:office:office" xmlns:v="urn:schemas-microsoft-com:vml" xmlns:pvml="urn:schemas-microsoft-com:office:powerpoint" xmlns:com="http://schemas.openxmlformats.org/drawingml/2006/compatibility" xmlns:p14="http://schemas.microsoft.com/office/powerpoint/2010/main" xmlns:p15="http://schemas.microsoft.com/office/powerpoint/2012/main" xmlns:ahyp="http://schemas.microsoft.com/office/drawing/2018/hyperlinkcolor" xmlns:go="http://customooxmlschemas.google.com/" r:id="rId23" roundtripDataSignature="AMtx7mg4ID0MW+58A5oAZz0iuzSAYbU9/A=="/>
     </p:ext>
   </p:extLst>
 </p:presentation>
@@ -34711,7 +34714,15 @@
           <a:p>
             <a:r>
               <a:rPr lang="en-US" dirty="0"/>
-              <a:t>Date : 14 May 2023</a:t>
+              <a:t>Date </a:t>
+            </a:r>
+            <a:r>
+              <a:rPr lang="en-US"/>
+              <a:t>: 17 </a:t>
+            </a:r>
+            <a:r>
+              <a:rPr lang="en-US" dirty="0"/>
+              <a:t>May 2023</a:t>
             </a:r>
           </a:p>
         </p:txBody>
